--- a/usab/2_Präsentation.pptx
+++ b/usab/2_Präsentation.pptx
@@ -5,19 +5,18 @@
     <p:sldMasterId id="2147483648" r:id="rId1"/>
   </p:sldMasterIdLst>
   <p:notesMasterIdLst>
-    <p:notesMasterId r:id="rId12"/>
+    <p:notesMasterId r:id="rId11"/>
   </p:notesMasterIdLst>
   <p:sldIdLst>
     <p:sldId id="256" r:id="rId2"/>
     <p:sldId id="271" r:id="rId3"/>
     <p:sldId id="280" r:id="rId4"/>
     <p:sldId id="278" r:id="rId5"/>
-    <p:sldId id="275" r:id="rId6"/>
-    <p:sldId id="273" r:id="rId7"/>
-    <p:sldId id="276" r:id="rId8"/>
-    <p:sldId id="277" r:id="rId9"/>
-    <p:sldId id="281" r:id="rId10"/>
-    <p:sldId id="279" r:id="rId11"/>
+    <p:sldId id="273" r:id="rId6"/>
+    <p:sldId id="277" r:id="rId7"/>
+    <p:sldId id="283" r:id="rId8"/>
+    <p:sldId id="281" r:id="rId9"/>
+    <p:sldId id="282" r:id="rId10"/>
   </p:sldIdLst>
   <p:sldSz cx="12192000" cy="6858000"/>
   <p:notesSz cx="6858000" cy="9144000"/>
@@ -3868,130 +3867,6 @@
 </p:sld>
 </file>
 
-<file path=ppt/slides/slide10.xml><?xml version="1.0" encoding="utf-8"?>
-<p:sld xmlns:a="http://schemas.openxmlformats.org/drawingml/2006/main" xmlns:r="http://schemas.openxmlformats.org/officeDocument/2006/relationships" xmlns:p="http://schemas.openxmlformats.org/presentationml/2006/main">
-  <p:cSld>
-    <p:spTree>
-      <p:nvGrpSpPr>
-        <p:cNvPr id="1" name=""/>
-        <p:cNvGrpSpPr/>
-        <p:nvPr/>
-      </p:nvGrpSpPr>
-      <p:grpSpPr>
-        <a:xfrm>
-          <a:off x="0" y="0"/>
-          <a:ext cx="0" cy="0"/>
-          <a:chOff x="0" y="0"/>
-          <a:chExt cx="0" cy="0"/>
-        </a:xfrm>
-      </p:grpSpPr>
-      <p:sp>
-        <p:nvSpPr>
-          <p:cNvPr id="2" name="Title 1"/>
-          <p:cNvSpPr>
-            <a:spLocks noGrp="1"/>
-          </p:cNvSpPr>
-          <p:nvPr>
-            <p:ph type="title"/>
-          </p:nvPr>
-        </p:nvSpPr>
-        <p:spPr/>
-        <p:txBody>
-          <a:bodyPr/>
-          <a:lstStyle/>
-          <a:p>
-            <a:endParaRPr lang="de-DE" dirty="0"/>
-          </a:p>
-        </p:txBody>
-      </p:sp>
-      <p:sp>
-        <p:nvSpPr>
-          <p:cNvPr id="4" name="Rectangle 3"/>
-          <p:cNvSpPr/>
-          <p:nvPr/>
-        </p:nvSpPr>
-        <p:spPr>
-          <a:xfrm>
-            <a:off x="0" y="6652260"/>
-            <a:ext cx="12192000" cy="296228"/>
-          </a:xfrm>
-          <a:prstGeom prst="rect">
-            <a:avLst/>
-          </a:prstGeom>
-          <a:solidFill>
-            <a:srgbClr val="008EB3"/>
-          </a:solidFill>
-          <a:ln>
-            <a:noFill/>
-          </a:ln>
-        </p:spPr>
-        <p:style>
-          <a:lnRef idx="2">
-            <a:schemeClr val="accent1">
-              <a:shade val="50000"/>
-            </a:schemeClr>
-          </a:lnRef>
-          <a:fillRef idx="1">
-            <a:schemeClr val="accent1"/>
-          </a:fillRef>
-          <a:effectRef idx="0">
-            <a:schemeClr val="accent1"/>
-          </a:effectRef>
-          <a:fontRef idx="minor">
-            <a:schemeClr val="lt1"/>
-          </a:fontRef>
-        </p:style>
-        <p:txBody>
-          <a:bodyPr rtlCol="0" anchor="ctr"/>
-          <a:lstStyle/>
-          <a:p>
-            <a:pPr algn="ctr"/>
-            <a:endParaRPr lang="de-DE">
-              <a:solidFill>
-                <a:schemeClr val="bg1"/>
-              </a:solidFill>
-            </a:endParaRPr>
-          </a:p>
-        </p:txBody>
-      </p:sp>
-      <p:sp>
-        <p:nvSpPr>
-          <p:cNvPr id="6" name="Inhaltsplatzhalter 5">
-            <a:extLst>
-              <a:ext uri="{FF2B5EF4-FFF2-40B4-BE49-F238E27FC236}">
-                <a16:creationId xmlns:a16="http://schemas.microsoft.com/office/drawing/2014/main" id="{63626690-C917-4B22-BF5A-1247C62CED1A}"/>
-              </a:ext>
-            </a:extLst>
-          </p:cNvPr>
-          <p:cNvSpPr>
-            <a:spLocks noGrp="1"/>
-          </p:cNvSpPr>
-          <p:nvPr>
-            <p:ph idx="1"/>
-          </p:nvPr>
-        </p:nvSpPr>
-        <p:spPr/>
-        <p:txBody>
-          <a:bodyPr/>
-          <a:lstStyle/>
-          <a:p>
-            <a:endParaRPr lang="en-US"/>
-          </a:p>
-        </p:txBody>
-      </p:sp>
-    </p:spTree>
-    <p:extLst>
-      <p:ext uri="{BB962C8B-B14F-4D97-AF65-F5344CB8AC3E}">
-        <p14:creationId xmlns:p14="http://schemas.microsoft.com/office/powerpoint/2010/main" val="1342617756"/>
-      </p:ext>
-    </p:extLst>
-  </p:cSld>
-  <p:clrMapOvr>
-    <a:masterClrMapping/>
-  </p:clrMapOvr>
-</p:sld>
-</file>
-
 <file path=ppt/slides/slide2.xml><?xml version="1.0" encoding="utf-8"?>
 <p:sld xmlns:a="http://schemas.openxmlformats.org/drawingml/2006/main" xmlns:r="http://schemas.openxmlformats.org/officeDocument/2006/relationships" xmlns:p="http://schemas.openxmlformats.org/presentationml/2006/main">
   <p:cSld>
@@ -4639,12 +4514,18 @@
       </p:grpSpPr>
       <p:sp>
         <p:nvSpPr>
-          <p:cNvPr id="2" name="Title 1"/>
-          <p:cNvSpPr>
-            <a:spLocks noGrp="1"/>
-          </p:cNvSpPr>
-          <p:nvPr>
-            <p:ph type="title"/>
+          <p:cNvPr id="2" name="Title 1">
+            <a:extLst>
+              <a:ext uri="{FF2B5EF4-FFF2-40B4-BE49-F238E27FC236}">
+                <a16:creationId xmlns:a16="http://schemas.microsoft.com/office/drawing/2014/main" id="{E963BF55-D87B-4EEA-B2A9-11D9646B8ABF}"/>
+              </a:ext>
+            </a:extLst>
+          </p:cNvPr>
+          <p:cNvSpPr>
+            <a:spLocks noGrp="1"/>
+          </p:cNvSpPr>
+          <p:nvPr>
+            <p:ph type="ctrTitle"/>
           </p:nvPr>
         </p:nvSpPr>
         <p:spPr/>
@@ -4653,104 +4534,39 @@
           <a:lstStyle/>
           <a:p>
             <a:r>
-              <a:rPr lang="de-DE"/>
-              <a:t>BAK-Analyse</a:t>
-            </a:r>
-          </a:p>
-        </p:txBody>
-      </p:sp>
-      <p:sp>
-        <p:nvSpPr>
-          <p:cNvPr id="3" name="Content Placeholder 2"/>
-          <p:cNvSpPr>
-            <a:spLocks noGrp="1"/>
-          </p:cNvSpPr>
-          <p:nvPr>
-            <p:ph idx="1"/>
+              <a:rPr lang="de-CH" dirty="0"/>
+              <a:t>M</a:t>
+            </a:r>
+            <a:r>
+              <a:rPr lang="en-US" dirty="0" err="1"/>
+              <a:t>atrixfragen</a:t>
+            </a:r>
+            <a:endParaRPr lang="en-US" dirty="0"/>
+          </a:p>
+        </p:txBody>
+      </p:sp>
+      <p:sp>
+        <p:nvSpPr>
+          <p:cNvPr id="3" name="Subtitle 2">
+            <a:extLst>
+              <a:ext uri="{FF2B5EF4-FFF2-40B4-BE49-F238E27FC236}">
+                <a16:creationId xmlns:a16="http://schemas.microsoft.com/office/drawing/2014/main" id="{B835F513-471D-4E14-9773-51CF6EB1CFEA}"/>
+              </a:ext>
+            </a:extLst>
+          </p:cNvPr>
+          <p:cNvSpPr>
+            <a:spLocks noGrp="1"/>
+          </p:cNvSpPr>
+          <p:nvPr>
+            <p:ph type="subTitle" idx="1"/>
           </p:nvPr>
         </p:nvSpPr>
         <p:spPr/>
         <p:txBody>
-          <a:bodyPr>
-            <a:normAutofit/>
-          </a:bodyPr>
-          <a:lstStyle/>
-          <a:p>
-            <a:r>
-              <a:rPr lang="de-DE"/>
-              <a:t>Benutzeranalyse</a:t>
-            </a:r>
-          </a:p>
-          <a:p>
-            <a:pPr lvl="1"/>
-            <a:r>
-              <a:rPr lang="de-DE" b="1"/>
-              <a:t>Demographie</a:t>
-            </a:r>
-            <a:r>
-              <a:rPr lang="de-DE"/>
-              <a:t>: Alter (über 18 unter 70)</a:t>
-            </a:r>
-          </a:p>
-          <a:p>
-            <a:pPr lvl="1"/>
-            <a:r>
-              <a:rPr lang="de-DE" b="1"/>
-              <a:t>Wissen</a:t>
-            </a:r>
-            <a:r>
-              <a:rPr lang="de-DE"/>
-              <a:t>: Gültiger Fahrausweis (ausgebildete Fahrer)</a:t>
-            </a:r>
-          </a:p>
-          <a:p>
-            <a:pPr lvl="1"/>
-            <a:r>
-              <a:rPr lang="de-DE" b="1"/>
-              <a:t>Erfahrungen</a:t>
-            </a:r>
-            <a:r>
-              <a:rPr lang="de-DE"/>
-              <a:t>: Automat, Manuell</a:t>
-            </a:r>
-          </a:p>
-          <a:p>
-            <a:pPr lvl="1"/>
-            <a:r>
-              <a:rPr lang="de-DE" b="1"/>
-              <a:t>Erwartungen</a:t>
-            </a:r>
-            <a:r>
-              <a:rPr lang="de-DE"/>
-              <a:t>: Geschwindigkeit, Flow, Accessability, Angebote für Eingeschränkte</a:t>
-            </a:r>
-          </a:p>
-          <a:p>
-            <a:pPr lvl="1"/>
-            <a:r>
-              <a:rPr lang="de-DE" b="1"/>
-              <a:t>Internationalität</a:t>
-            </a:r>
-            <a:r>
-              <a:rPr lang="de-DE"/>
-              <a:t>: Schweiz</a:t>
-            </a:r>
-          </a:p>
-          <a:p>
-            <a:pPr lvl="1"/>
-            <a:endParaRPr lang="de-DE"/>
-          </a:p>
-          <a:p>
-            <a:pPr lvl="1"/>
-            <a:endParaRPr lang="de-DE"/>
-          </a:p>
-          <a:p>
-            <a:pPr lvl="1"/>
-            <a:endParaRPr lang="de-DE"/>
-          </a:p>
-          <a:p>
-            <a:pPr lvl="1"/>
-            <a:endParaRPr lang="de-DE"/>
+          <a:bodyPr/>
+          <a:lstStyle/>
+          <a:p>
+            <a:endParaRPr lang="en-US"/>
           </a:p>
         </p:txBody>
       </p:sp>
@@ -4807,7 +4623,7 @@
     </p:spTree>
     <p:extLst>
       <p:ext uri="{BB962C8B-B14F-4D97-AF65-F5344CB8AC3E}">
-        <p14:creationId xmlns:p14="http://schemas.microsoft.com/office/powerpoint/2010/main" val="1628489722"/>
+        <p14:creationId xmlns:p14="http://schemas.microsoft.com/office/powerpoint/2010/main" val="1400091409"/>
       </p:ext>
     </p:extLst>
   </p:cSld>
@@ -4818,298 +4634,6 @@
 </file>
 
 <file path=ppt/slides/slide6.xml><?xml version="1.0" encoding="utf-8"?>
-<p:sld xmlns:a="http://schemas.openxmlformats.org/drawingml/2006/main" xmlns:r="http://schemas.openxmlformats.org/officeDocument/2006/relationships" xmlns:p="http://schemas.openxmlformats.org/presentationml/2006/main">
-  <p:cSld>
-    <p:spTree>
-      <p:nvGrpSpPr>
-        <p:cNvPr id="1" name=""/>
-        <p:cNvGrpSpPr/>
-        <p:nvPr/>
-      </p:nvGrpSpPr>
-      <p:grpSpPr>
-        <a:xfrm>
-          <a:off x="0" y="0"/>
-          <a:ext cx="0" cy="0"/>
-          <a:chOff x="0" y="0"/>
-          <a:chExt cx="0" cy="0"/>
-        </a:xfrm>
-      </p:grpSpPr>
-      <p:sp>
-        <p:nvSpPr>
-          <p:cNvPr id="2" name="Title 1">
-            <a:extLst>
-              <a:ext uri="{FF2B5EF4-FFF2-40B4-BE49-F238E27FC236}">
-                <a16:creationId xmlns:a16="http://schemas.microsoft.com/office/drawing/2014/main" id="{E963BF55-D87B-4EEA-B2A9-11D9646B8ABF}"/>
-              </a:ext>
-            </a:extLst>
-          </p:cNvPr>
-          <p:cNvSpPr>
-            <a:spLocks noGrp="1"/>
-          </p:cNvSpPr>
-          <p:nvPr>
-            <p:ph type="ctrTitle"/>
-          </p:nvPr>
-        </p:nvSpPr>
-        <p:spPr/>
-        <p:txBody>
-          <a:bodyPr/>
-          <a:lstStyle/>
-          <a:p>
-            <a:r>
-              <a:rPr lang="de-CH" dirty="0"/>
-              <a:t>M</a:t>
-            </a:r>
-            <a:r>
-              <a:rPr lang="en-US" dirty="0" err="1"/>
-              <a:t>atrixfragen</a:t>
-            </a:r>
-            <a:endParaRPr lang="en-US" dirty="0"/>
-          </a:p>
-        </p:txBody>
-      </p:sp>
-      <p:sp>
-        <p:nvSpPr>
-          <p:cNvPr id="3" name="Subtitle 2">
-            <a:extLst>
-              <a:ext uri="{FF2B5EF4-FFF2-40B4-BE49-F238E27FC236}">
-                <a16:creationId xmlns:a16="http://schemas.microsoft.com/office/drawing/2014/main" id="{B835F513-471D-4E14-9773-51CF6EB1CFEA}"/>
-              </a:ext>
-            </a:extLst>
-          </p:cNvPr>
-          <p:cNvSpPr>
-            <a:spLocks noGrp="1"/>
-          </p:cNvSpPr>
-          <p:nvPr>
-            <p:ph type="subTitle" idx="1"/>
-          </p:nvPr>
-        </p:nvSpPr>
-        <p:spPr/>
-        <p:txBody>
-          <a:bodyPr/>
-          <a:lstStyle/>
-          <a:p>
-            <a:endParaRPr lang="en-US"/>
-          </a:p>
-        </p:txBody>
-      </p:sp>
-      <p:sp>
-        <p:nvSpPr>
-          <p:cNvPr id="4" name="Rectangle 3"/>
-          <p:cNvSpPr/>
-          <p:nvPr/>
-        </p:nvSpPr>
-        <p:spPr>
-          <a:xfrm>
-            <a:off x="0" y="6652260"/>
-            <a:ext cx="12192000" cy="296228"/>
-          </a:xfrm>
-          <a:prstGeom prst="rect">
-            <a:avLst/>
-          </a:prstGeom>
-          <a:solidFill>
-            <a:srgbClr val="008EB3"/>
-          </a:solidFill>
-          <a:ln>
-            <a:noFill/>
-          </a:ln>
-        </p:spPr>
-        <p:style>
-          <a:lnRef idx="2">
-            <a:schemeClr val="accent1">
-              <a:shade val="50000"/>
-            </a:schemeClr>
-          </a:lnRef>
-          <a:fillRef idx="1">
-            <a:schemeClr val="accent1"/>
-          </a:fillRef>
-          <a:effectRef idx="0">
-            <a:schemeClr val="accent1"/>
-          </a:effectRef>
-          <a:fontRef idx="minor">
-            <a:schemeClr val="lt1"/>
-          </a:fontRef>
-        </p:style>
-        <p:txBody>
-          <a:bodyPr rtlCol="0" anchor="ctr"/>
-          <a:lstStyle/>
-          <a:p>
-            <a:pPr algn="ctr"/>
-            <a:endParaRPr lang="de-DE">
-              <a:solidFill>
-                <a:schemeClr val="bg1"/>
-              </a:solidFill>
-            </a:endParaRPr>
-          </a:p>
-        </p:txBody>
-      </p:sp>
-    </p:spTree>
-    <p:extLst>
-      <p:ext uri="{BB962C8B-B14F-4D97-AF65-F5344CB8AC3E}">
-        <p14:creationId xmlns:p14="http://schemas.microsoft.com/office/powerpoint/2010/main" val="1400091409"/>
-      </p:ext>
-    </p:extLst>
-  </p:cSld>
-  <p:clrMapOvr>
-    <a:masterClrMapping/>
-  </p:clrMapOvr>
-</p:sld>
-</file>
-
-<file path=ppt/slides/slide7.xml><?xml version="1.0" encoding="utf-8"?>
-<p:sld xmlns:a="http://schemas.openxmlformats.org/drawingml/2006/main" xmlns:r="http://schemas.openxmlformats.org/officeDocument/2006/relationships" xmlns:p="http://schemas.openxmlformats.org/presentationml/2006/main">
-  <p:cSld>
-    <p:spTree>
-      <p:nvGrpSpPr>
-        <p:cNvPr id="1" name=""/>
-        <p:cNvGrpSpPr/>
-        <p:nvPr/>
-      </p:nvGrpSpPr>
-      <p:grpSpPr>
-        <a:xfrm>
-          <a:off x="0" y="0"/>
-          <a:ext cx="0" cy="0"/>
-          <a:chOff x="0" y="0"/>
-          <a:chExt cx="0" cy="0"/>
-        </a:xfrm>
-      </p:grpSpPr>
-      <p:sp>
-        <p:nvSpPr>
-          <p:cNvPr id="2" name="Title 1"/>
-          <p:cNvSpPr>
-            <a:spLocks noGrp="1"/>
-          </p:cNvSpPr>
-          <p:nvPr>
-            <p:ph type="title"/>
-          </p:nvPr>
-        </p:nvSpPr>
-        <p:spPr/>
-        <p:txBody>
-          <a:bodyPr/>
-          <a:lstStyle/>
-          <a:p>
-            <a:endParaRPr lang="de-DE" dirty="0"/>
-          </a:p>
-        </p:txBody>
-      </p:sp>
-      <p:sp>
-        <p:nvSpPr>
-          <p:cNvPr id="4" name="Rectangle 3"/>
-          <p:cNvSpPr/>
-          <p:nvPr/>
-        </p:nvSpPr>
-        <p:spPr>
-          <a:xfrm>
-            <a:off x="0" y="6652260"/>
-            <a:ext cx="12192000" cy="296228"/>
-          </a:xfrm>
-          <a:prstGeom prst="rect">
-            <a:avLst/>
-          </a:prstGeom>
-          <a:solidFill>
-            <a:srgbClr val="008EB3"/>
-          </a:solidFill>
-          <a:ln>
-            <a:noFill/>
-          </a:ln>
-        </p:spPr>
-        <p:style>
-          <a:lnRef idx="2">
-            <a:schemeClr val="accent1">
-              <a:shade val="50000"/>
-            </a:schemeClr>
-          </a:lnRef>
-          <a:fillRef idx="1">
-            <a:schemeClr val="accent1"/>
-          </a:fillRef>
-          <a:effectRef idx="0">
-            <a:schemeClr val="accent1"/>
-          </a:effectRef>
-          <a:fontRef idx="minor">
-            <a:schemeClr val="lt1"/>
-          </a:fontRef>
-        </p:style>
-        <p:txBody>
-          <a:bodyPr rtlCol="0" anchor="ctr"/>
-          <a:lstStyle/>
-          <a:p>
-            <a:pPr algn="ctr"/>
-            <a:endParaRPr lang="de-DE">
-              <a:solidFill>
-                <a:schemeClr val="bg1"/>
-              </a:solidFill>
-            </a:endParaRPr>
-          </a:p>
-        </p:txBody>
-      </p:sp>
-      <p:sp>
-        <p:nvSpPr>
-          <p:cNvPr id="6" name="Inhaltsplatzhalter 5">
-            <a:extLst>
-              <a:ext uri="{FF2B5EF4-FFF2-40B4-BE49-F238E27FC236}">
-                <a16:creationId xmlns:a16="http://schemas.microsoft.com/office/drawing/2014/main" id="{63626690-C917-4B22-BF5A-1247C62CED1A}"/>
-              </a:ext>
-            </a:extLst>
-          </p:cNvPr>
-          <p:cNvSpPr>
-            <a:spLocks noGrp="1"/>
-          </p:cNvSpPr>
-          <p:nvPr>
-            <p:ph idx="1"/>
-          </p:nvPr>
-        </p:nvSpPr>
-        <p:spPr/>
-        <p:txBody>
-          <a:bodyPr/>
-          <a:lstStyle/>
-          <a:p>
-            <a:endParaRPr lang="en-US"/>
-          </a:p>
-        </p:txBody>
-      </p:sp>
-      <p:pic>
-        <p:nvPicPr>
-          <p:cNvPr id="7" name="Grafik 6">
-            <a:extLst>
-              <a:ext uri="{FF2B5EF4-FFF2-40B4-BE49-F238E27FC236}">
-                <a16:creationId xmlns:a16="http://schemas.microsoft.com/office/drawing/2014/main" id="{92B060FE-7AA7-4BC9-9823-07E8596FDEEE}"/>
-              </a:ext>
-            </a:extLst>
-          </p:cNvPr>
-          <p:cNvPicPr>
-            <a:picLocks noChangeAspect="1"/>
-          </p:cNvPicPr>
-          <p:nvPr/>
-        </p:nvPicPr>
-        <p:blipFill>
-          <a:blip r:embed="rId2"/>
-          <a:stretch>
-            <a:fillRect/>
-          </a:stretch>
-        </p:blipFill>
-        <p:spPr>
-          <a:xfrm>
-            <a:off x="1251061" y="764459"/>
-            <a:ext cx="8628746" cy="5329082"/>
-          </a:xfrm>
-          <a:prstGeom prst="rect">
-            <a:avLst/>
-          </a:prstGeom>
-        </p:spPr>
-      </p:pic>
-    </p:spTree>
-    <p:extLst>
-      <p:ext uri="{BB962C8B-B14F-4D97-AF65-F5344CB8AC3E}">
-        <p14:creationId xmlns:p14="http://schemas.microsoft.com/office/powerpoint/2010/main" val="2075357667"/>
-      </p:ext>
-    </p:extLst>
-  </p:cSld>
-  <p:clrMapOvr>
-    <a:masterClrMapping/>
-  </p:clrMapOvr>
-</p:sld>
-</file>
-
-<file path=ppt/slides/slide8.xml><?xml version="1.0" encoding="utf-8"?>
 <p:sld xmlns:a="http://schemas.openxmlformats.org/drawingml/2006/main" xmlns:r="http://schemas.openxmlformats.org/officeDocument/2006/relationships" xmlns:p="http://schemas.openxmlformats.org/presentationml/2006/main">
   <p:cSld>
     <p:spTree>
@@ -5263,6 +4787,226 @@
 </p:sld>
 </file>
 
+<file path=ppt/slides/slide7.xml><?xml version="1.0" encoding="utf-8"?>
+<p:sld xmlns:a="http://schemas.openxmlformats.org/drawingml/2006/main" xmlns:r="http://schemas.openxmlformats.org/officeDocument/2006/relationships" xmlns:p="http://schemas.openxmlformats.org/presentationml/2006/main">
+  <p:cSld>
+    <p:spTree>
+      <p:nvGrpSpPr>
+        <p:cNvPr id="1" name=""/>
+        <p:cNvGrpSpPr/>
+        <p:nvPr/>
+      </p:nvGrpSpPr>
+      <p:grpSpPr>
+        <a:xfrm>
+          <a:off x="0" y="0"/>
+          <a:ext cx="0" cy="0"/>
+          <a:chOff x="0" y="0"/>
+          <a:chExt cx="0" cy="0"/>
+        </a:xfrm>
+      </p:grpSpPr>
+      <p:sp>
+        <p:nvSpPr>
+          <p:cNvPr id="2" name="Titel 1">
+            <a:extLst>
+              <a:ext uri="{FF2B5EF4-FFF2-40B4-BE49-F238E27FC236}">
+                <a16:creationId xmlns:a16="http://schemas.microsoft.com/office/drawing/2014/main" id="{B11D71A1-35E2-40F5-A319-831688C8EDCB}"/>
+              </a:ext>
+            </a:extLst>
+          </p:cNvPr>
+          <p:cNvSpPr>
+            <a:spLocks noGrp="1"/>
+          </p:cNvSpPr>
+          <p:nvPr>
+            <p:ph type="title"/>
+          </p:nvPr>
+        </p:nvSpPr>
+        <p:spPr/>
+        <p:txBody>
+          <a:bodyPr/>
+          <a:lstStyle/>
+          <a:p>
+            <a:endParaRPr lang="en-US"/>
+          </a:p>
+        </p:txBody>
+      </p:sp>
+      <p:sp>
+        <p:nvSpPr>
+          <p:cNvPr id="3" name="Inhaltsplatzhalter 2">
+            <a:extLst>
+              <a:ext uri="{FF2B5EF4-FFF2-40B4-BE49-F238E27FC236}">
+                <a16:creationId xmlns:a16="http://schemas.microsoft.com/office/drawing/2014/main" id="{F72E0535-2F39-4932-9F4D-5904C7728640}"/>
+              </a:ext>
+            </a:extLst>
+          </p:cNvPr>
+          <p:cNvSpPr>
+            <a:spLocks noGrp="1"/>
+          </p:cNvSpPr>
+          <p:nvPr>
+            <p:ph idx="1"/>
+          </p:nvPr>
+        </p:nvSpPr>
+        <p:spPr/>
+        <p:txBody>
+          <a:bodyPr/>
+          <a:lstStyle/>
+          <a:p>
+            <a:endParaRPr lang="en-US"/>
+          </a:p>
+        </p:txBody>
+      </p:sp>
+      <p:pic>
+        <p:nvPicPr>
+          <p:cNvPr id="4" name="Grafik 3">
+            <a:extLst>
+              <a:ext uri="{FF2B5EF4-FFF2-40B4-BE49-F238E27FC236}">
+                <a16:creationId xmlns:a16="http://schemas.microsoft.com/office/drawing/2014/main" id="{19F1B186-A8A7-4B2F-8109-2D3ED88EBDF1}"/>
+              </a:ext>
+            </a:extLst>
+          </p:cNvPr>
+          <p:cNvPicPr>
+            <a:picLocks noChangeAspect="1"/>
+          </p:cNvPicPr>
+          <p:nvPr/>
+        </p:nvPicPr>
+        <p:blipFill>
+          <a:blip r:embed="rId2"/>
+          <a:stretch>
+            <a:fillRect/>
+          </a:stretch>
+        </p:blipFill>
+        <p:spPr>
+          <a:xfrm>
+            <a:off x="250203" y="33338"/>
+            <a:ext cx="11572703" cy="6658079"/>
+          </a:xfrm>
+          <a:prstGeom prst="rect">
+            <a:avLst/>
+          </a:prstGeom>
+        </p:spPr>
+      </p:pic>
+    </p:spTree>
+    <p:extLst>
+      <p:ext uri="{BB962C8B-B14F-4D97-AF65-F5344CB8AC3E}">
+        <p14:creationId xmlns:p14="http://schemas.microsoft.com/office/powerpoint/2010/main" val="3456200265"/>
+      </p:ext>
+    </p:extLst>
+  </p:cSld>
+  <p:clrMapOvr>
+    <a:masterClrMapping/>
+  </p:clrMapOvr>
+</p:sld>
+</file>
+
+<file path=ppt/slides/slide8.xml><?xml version="1.0" encoding="utf-8"?>
+<p:sld xmlns:a="http://schemas.openxmlformats.org/drawingml/2006/main" xmlns:r="http://schemas.openxmlformats.org/officeDocument/2006/relationships" xmlns:p="http://schemas.openxmlformats.org/presentationml/2006/main">
+  <p:cSld>
+    <p:spTree>
+      <p:nvGrpSpPr>
+        <p:cNvPr id="1" name=""/>
+        <p:cNvGrpSpPr/>
+        <p:nvPr/>
+      </p:nvGrpSpPr>
+      <p:grpSpPr>
+        <a:xfrm>
+          <a:off x="0" y="0"/>
+          <a:ext cx="0" cy="0"/>
+          <a:chOff x="0" y="0"/>
+          <a:chExt cx="0" cy="0"/>
+        </a:xfrm>
+      </p:grpSpPr>
+      <p:sp>
+        <p:nvSpPr>
+          <p:cNvPr id="2" name="Titel 1">
+            <a:extLst>
+              <a:ext uri="{FF2B5EF4-FFF2-40B4-BE49-F238E27FC236}">
+                <a16:creationId xmlns:a16="http://schemas.microsoft.com/office/drawing/2014/main" id="{9C1CEF60-BC0D-4561-A804-3BE1B09DE85C}"/>
+              </a:ext>
+            </a:extLst>
+          </p:cNvPr>
+          <p:cNvSpPr>
+            <a:spLocks noGrp="1"/>
+          </p:cNvSpPr>
+          <p:nvPr>
+            <p:ph type="title"/>
+          </p:nvPr>
+        </p:nvSpPr>
+        <p:spPr/>
+        <p:txBody>
+          <a:bodyPr/>
+          <a:lstStyle/>
+          <a:p>
+            <a:endParaRPr lang="en-US"/>
+          </a:p>
+        </p:txBody>
+      </p:sp>
+      <p:sp>
+        <p:nvSpPr>
+          <p:cNvPr id="3" name="Inhaltsplatzhalter 2">
+            <a:extLst>
+              <a:ext uri="{FF2B5EF4-FFF2-40B4-BE49-F238E27FC236}">
+                <a16:creationId xmlns:a16="http://schemas.microsoft.com/office/drawing/2014/main" id="{F336FF05-7086-4925-8F08-F285970449F7}"/>
+              </a:ext>
+            </a:extLst>
+          </p:cNvPr>
+          <p:cNvSpPr>
+            <a:spLocks noGrp="1"/>
+          </p:cNvSpPr>
+          <p:nvPr>
+            <p:ph idx="1"/>
+          </p:nvPr>
+        </p:nvSpPr>
+        <p:spPr/>
+        <p:txBody>
+          <a:bodyPr/>
+          <a:lstStyle/>
+          <a:p>
+            <a:endParaRPr lang="en-US"/>
+          </a:p>
+        </p:txBody>
+      </p:sp>
+      <p:pic>
+        <p:nvPicPr>
+          <p:cNvPr id="4" name="Grafik 3">
+            <a:extLst>
+              <a:ext uri="{FF2B5EF4-FFF2-40B4-BE49-F238E27FC236}">
+                <a16:creationId xmlns:a16="http://schemas.microsoft.com/office/drawing/2014/main" id="{24E64534-0D97-412C-8B2C-5D019D8D5A7C}"/>
+              </a:ext>
+            </a:extLst>
+          </p:cNvPr>
+          <p:cNvPicPr>
+            <a:picLocks noChangeAspect="1"/>
+          </p:cNvPicPr>
+          <p:nvPr/>
+        </p:nvPicPr>
+        <p:blipFill>
+          <a:blip r:embed="rId2"/>
+          <a:stretch>
+            <a:fillRect/>
+          </a:stretch>
+        </p:blipFill>
+        <p:spPr>
+          <a:xfrm>
+            <a:off x="2046385" y="404812"/>
+            <a:ext cx="8099229" cy="6048376"/>
+          </a:xfrm>
+          <a:prstGeom prst="rect">
+            <a:avLst/>
+          </a:prstGeom>
+        </p:spPr>
+      </p:pic>
+    </p:spTree>
+    <p:extLst>
+      <p:ext uri="{BB962C8B-B14F-4D97-AF65-F5344CB8AC3E}">
+        <p14:creationId xmlns:p14="http://schemas.microsoft.com/office/powerpoint/2010/main" val="915485821"/>
+      </p:ext>
+    </p:extLst>
+  </p:cSld>
+  <p:clrMapOvr>
+    <a:masterClrMapping/>
+  </p:clrMapOvr>
+</p:sld>
+</file>
+
 <file path=ppt/slides/slide9.xml><?xml version="1.0" encoding="utf-8"?>
 <p:sld xmlns:a="http://schemas.openxmlformats.org/drawingml/2006/main" xmlns:r="http://schemas.openxmlformats.org/officeDocument/2006/relationships" xmlns:p="http://schemas.openxmlformats.org/presentationml/2006/main">
   <p:cSld>
@@ -5285,7 +5029,7 @@
           <p:cNvPr id="2" name="Titel 1">
             <a:extLst>
               <a:ext uri="{FF2B5EF4-FFF2-40B4-BE49-F238E27FC236}">
-                <a16:creationId xmlns:a16="http://schemas.microsoft.com/office/drawing/2014/main" id="{9C1CEF60-BC0D-4561-A804-3BE1B09DE85C}"/>
+                <a16:creationId xmlns:a16="http://schemas.microsoft.com/office/drawing/2014/main" id="{73C12FE6-EE62-48C5-9399-A34E320A1930}"/>
               </a:ext>
             </a:extLst>
           </p:cNvPr>
@@ -5310,7 +5054,7 @@
           <p:cNvPr id="3" name="Inhaltsplatzhalter 2">
             <a:extLst>
               <a:ext uri="{FF2B5EF4-FFF2-40B4-BE49-F238E27FC236}">
-                <a16:creationId xmlns:a16="http://schemas.microsoft.com/office/drawing/2014/main" id="{F336FF05-7086-4925-8F08-F285970449F7}"/>
+                <a16:creationId xmlns:a16="http://schemas.microsoft.com/office/drawing/2014/main" id="{60E1EC10-122B-4F62-9EA8-9A69ED06C345}"/>
               </a:ext>
             </a:extLst>
           </p:cNvPr>
@@ -5335,7 +5079,7 @@
           <p:cNvPr id="4" name="Grafik 3">
             <a:extLst>
               <a:ext uri="{FF2B5EF4-FFF2-40B4-BE49-F238E27FC236}">
-                <a16:creationId xmlns:a16="http://schemas.microsoft.com/office/drawing/2014/main" id="{24E64534-0D97-412C-8B2C-5D019D8D5A7C}"/>
+                <a16:creationId xmlns:a16="http://schemas.microsoft.com/office/drawing/2014/main" id="{0D03759C-547A-4C8A-B3D0-86B80371AC18}"/>
               </a:ext>
             </a:extLst>
           </p:cNvPr>
@@ -5352,8 +5096,8 @@
         </p:blipFill>
         <p:spPr>
           <a:xfrm>
-            <a:off x="2082954" y="681037"/>
-            <a:ext cx="7368227" cy="5502475"/>
+            <a:off x="23812" y="271462"/>
+            <a:ext cx="12144375" cy="6315075"/>
           </a:xfrm>
           <a:prstGeom prst="rect">
             <a:avLst/>
@@ -5363,7 +5107,7 @@
     </p:spTree>
     <p:extLst>
       <p:ext uri="{BB962C8B-B14F-4D97-AF65-F5344CB8AC3E}">
-        <p14:creationId xmlns:p14="http://schemas.microsoft.com/office/powerpoint/2010/main" val="915485821"/>
+        <p14:creationId xmlns:p14="http://schemas.microsoft.com/office/powerpoint/2010/main" val="2141526821"/>
       </p:ext>
     </p:extLst>
   </p:cSld>
